--- a/Project2/Reports/Project 2 Final Presentation.pptx
+++ b/Project2/Reports/Project 2 Final Presentation.pptx
@@ -2988,30 +2988,48 @@
         <p:spPr/>
         <p:txBody>
           <a:bodyPr>
-            <a:normAutofit/>
+            <a:normAutofit fontScale="90000"/>
           </a:bodyPr>
           <a:lstStyle/>
           <a:p>
             <a:r>
-              <a:rPr lang="en-US" dirty="0" smtClean="0"/>
+              <a:rPr lang="en-US" dirty="0" smtClean="0">
+                <a:latin typeface="Times New Roman" panose="02020603050405020304" pitchFamily="18" charset="0"/>
+                <a:cs typeface="Times New Roman" panose="02020603050405020304" pitchFamily="18" charset="0"/>
+              </a:rPr>
               <a:t>Project 2: </a:t>
             </a:r>
             <a:br>
-              <a:rPr lang="en-US" dirty="0" smtClean="0"/>
+              <a:rPr lang="en-US" dirty="0" smtClean="0">
+                <a:latin typeface="Times New Roman" panose="02020603050405020304" pitchFamily="18" charset="0"/>
+                <a:cs typeface="Times New Roman" panose="02020603050405020304" pitchFamily="18" charset="0"/>
+              </a:rPr>
             </a:br>
             <a:r>
-              <a:rPr lang="en-US" dirty="0" smtClean="0"/>
+              <a:rPr lang="en-US" dirty="0" smtClean="0">
+                <a:latin typeface="Times New Roman" panose="02020603050405020304" pitchFamily="18" charset="0"/>
+                <a:cs typeface="Times New Roman" panose="02020603050405020304" pitchFamily="18" charset="0"/>
+              </a:rPr>
               <a:t>VA </a:t>
             </a:r>
             <a:r>
-              <a:rPr lang="en-US" dirty="0"/>
+              <a:rPr lang="en-US" dirty="0">
+                <a:latin typeface="Times New Roman" panose="02020603050405020304" pitchFamily="18" charset="0"/>
+                <a:cs typeface="Times New Roman" panose="02020603050405020304" pitchFamily="18" charset="0"/>
+              </a:rPr>
               <a:t>Surgery Database </a:t>
             </a:r>
             <a:r>
-              <a:rPr lang="en-US" dirty="0" smtClean="0"/>
+              <a:rPr lang="en-US" dirty="0" smtClean="0">
+                <a:latin typeface="Times New Roman" panose="02020603050405020304" pitchFamily="18" charset="0"/>
+                <a:cs typeface="Times New Roman" panose="02020603050405020304" pitchFamily="18" charset="0"/>
+              </a:rPr>
               <a:t>Review</a:t>
             </a:r>
-            <a:endParaRPr lang="en-US" dirty="0"/>
+            <a:endParaRPr lang="en-US" dirty="0">
+              <a:latin typeface="Times New Roman" panose="02020603050405020304" pitchFamily="18" charset="0"/>
+              <a:cs typeface="Times New Roman" panose="02020603050405020304" pitchFamily="18" charset="0"/>
+            </a:endParaRPr>
           </a:p>
         </p:txBody>
       </p:sp>
@@ -3031,10 +3049,16 @@
           <a:lstStyle/>
           <a:p>
             <a:r>
-              <a:rPr lang="en-US" dirty="0" smtClean="0"/>
+              <a:rPr lang="en-US" dirty="0" smtClean="0">
+                <a:latin typeface="Times New Roman" panose="02020603050405020304" pitchFamily="18" charset="0"/>
+                <a:cs typeface="Times New Roman" panose="02020603050405020304" pitchFamily="18" charset="0"/>
+              </a:rPr>
               <a:t>Rachel Johnson </a:t>
             </a:r>
-            <a:endParaRPr lang="en-US" dirty="0"/>
+            <a:endParaRPr lang="en-US" dirty="0">
+              <a:latin typeface="Times New Roman" panose="02020603050405020304" pitchFamily="18" charset="0"/>
+              <a:cs typeface="Times New Roman" panose="02020603050405020304" pitchFamily="18" charset="0"/>
+            </a:endParaRPr>
           </a:p>
         </p:txBody>
       </p:sp>
@@ -3084,10 +3108,16 @@
           <a:lstStyle/>
           <a:p>
             <a:r>
-              <a:rPr lang="en-US" dirty="0" smtClean="0"/>
+              <a:rPr lang="en-US" dirty="0" smtClean="0">
+                <a:latin typeface="Times New Roman" panose="02020603050405020304" pitchFamily="18" charset="0"/>
+                <a:cs typeface="Times New Roman" panose="02020603050405020304" pitchFamily="18" charset="0"/>
+              </a:rPr>
               <a:t>Introduction &amp; Data Summary</a:t>
             </a:r>
-            <a:endParaRPr lang="en-US" dirty="0"/>
+            <a:endParaRPr lang="en-US" dirty="0">
+              <a:latin typeface="Times New Roman" panose="02020603050405020304" pitchFamily="18" charset="0"/>
+              <a:cs typeface="Times New Roman" panose="02020603050405020304" pitchFamily="18" charset="0"/>
+            </a:endParaRPr>
           </a:p>
         </p:txBody>
       </p:sp>
@@ -4900,8 +4930,8 @@
         </p:nvSpPr>
         <p:spPr>
           <a:xfrm>
-            <a:off x="738909" y="1690688"/>
-            <a:ext cx="4710546" cy="523220"/>
+            <a:off x="710334" y="1888148"/>
+            <a:ext cx="4710546" cy="4832092"/>
           </a:xfrm>
           <a:prstGeom prst="rect">
             <a:avLst/>
@@ -4914,14 +4944,42 @@
           </a:bodyPr>
           <a:lstStyle/>
           <a:p>
+            <a:pPr marL="457200" indent="-457200">
+              <a:buFont typeface="Arial" panose="020B0604020202020204" pitchFamily="34" charset="0"/>
+              <a:buChar char="•"/>
+            </a:pPr>
             <a:r>
-              <a:rPr lang="en-US" sz="2800" b="1" dirty="0" smtClean="0">
-                <a:solidFill>
-                  <a:srgbClr val="FF0000"/>
-                </a:solidFill>
+              <a:rPr lang="en-US" sz="2800" dirty="0" smtClean="0">
+                <a:latin typeface="Times New Roman" panose="02020603050405020304" pitchFamily="18" charset="0"/>
+                <a:cs typeface="Times New Roman" panose="02020603050405020304" pitchFamily="18" charset="0"/>
               </a:rPr>
-              <a:t>Write stuff!</a:t>
+              <a:t>Project goal: evaluate 30 day mortality rates among 44 VA hospitals in most recent 6 month period</a:t>
             </a:r>
+          </a:p>
+          <a:p>
+            <a:endParaRPr lang="en-US" sz="2800" dirty="0" smtClean="0">
+              <a:latin typeface="Times New Roman" panose="02020603050405020304" pitchFamily="18" charset="0"/>
+              <a:cs typeface="Times New Roman" panose="02020603050405020304" pitchFamily="18" charset="0"/>
+            </a:endParaRPr>
+          </a:p>
+          <a:p>
+            <a:pPr marL="457200" indent="-457200">
+              <a:buFont typeface="Arial" panose="020B0604020202020204" pitchFamily="34" charset="0"/>
+              <a:buChar char="•"/>
+            </a:pPr>
+            <a:r>
+              <a:rPr lang="en-US" sz="2800" dirty="0" smtClean="0">
+                <a:latin typeface="Times New Roman" panose="02020603050405020304" pitchFamily="18" charset="0"/>
+                <a:cs typeface="Times New Roman" panose="02020603050405020304" pitchFamily="18" charset="0"/>
+              </a:rPr>
+              <a:t>Data cleaning: dichotomized ASA, fixed BMI miscalculations in hospitals 1-16, removed procedure 2</a:t>
+            </a:r>
+            <a:endParaRPr lang="en-US" sz="2800" dirty="0">
+              <a:latin typeface="Times New Roman" panose="02020603050405020304" pitchFamily="18" charset="0"/>
+              <a:cs typeface="Times New Roman" panose="02020603050405020304" pitchFamily="18" charset="0"/>
+            </a:endParaRPr>
+          </a:p>
+          <a:p>
             <a:endParaRPr lang="en-US" sz="2800" b="1" dirty="0">
               <a:solidFill>
                 <a:srgbClr val="FF0000"/>
@@ -4930,6 +4988,36 @@
           </a:p>
         </p:txBody>
       </p:sp>
+      <p:cxnSp>
+        <p:nvCxnSpPr>
+          <p:cNvPr id="6" name="Straight Connector 5"/>
+          <p:cNvCxnSpPr/>
+          <p:nvPr/>
+        </p:nvCxnSpPr>
+        <p:spPr>
+          <a:xfrm>
+            <a:off x="5292293" y="1551713"/>
+            <a:ext cx="0" cy="4895850"/>
+          </a:xfrm>
+          <a:prstGeom prst="line">
+            <a:avLst/>
+          </a:prstGeom>
+        </p:spPr>
+        <p:style>
+          <a:lnRef idx="1">
+            <a:schemeClr val="accent1"/>
+          </a:lnRef>
+          <a:fillRef idx="0">
+            <a:schemeClr val="accent1"/>
+          </a:fillRef>
+          <a:effectRef idx="0">
+            <a:schemeClr val="accent1"/>
+          </a:effectRef>
+          <a:fontRef idx="minor">
+            <a:schemeClr val="tx1"/>
+          </a:fontRef>
+        </p:style>
+      </p:cxnSp>
     </p:spTree>
     <p:extLst>
       <p:ext uri="{BB962C8B-B14F-4D97-AF65-F5344CB8AC3E}">
@@ -4976,10 +5064,16 @@
           <a:lstStyle/>
           <a:p>
             <a:r>
-              <a:rPr lang="en-US" dirty="0" smtClean="0"/>
+              <a:rPr lang="en-US" dirty="0" smtClean="0">
+                <a:latin typeface="Times New Roman" panose="02020603050405020304" pitchFamily="18" charset="0"/>
+                <a:cs typeface="Times New Roman" panose="02020603050405020304" pitchFamily="18" charset="0"/>
+              </a:rPr>
               <a:t>Missing Data</a:t>
             </a:r>
-            <a:endParaRPr lang="en-US" dirty="0"/>
+            <a:endParaRPr lang="en-US" dirty="0">
+              <a:latin typeface="Times New Roman" panose="02020603050405020304" pitchFamily="18" charset="0"/>
+              <a:cs typeface="Times New Roman" panose="02020603050405020304" pitchFamily="18" charset="0"/>
+            </a:endParaRPr>
           </a:p>
         </p:txBody>
       </p:sp>
@@ -4995,41 +5089,104 @@
         </p:nvSpPr>
         <p:spPr/>
         <p:txBody>
-          <a:bodyPr/>
+          <a:bodyPr>
+            <a:normAutofit/>
+          </a:bodyPr>
           <a:lstStyle/>
           <a:p>
             <a:r>
-              <a:rPr lang="en-US" dirty="0" smtClean="0"/>
+              <a:rPr lang="en-US" dirty="0" smtClean="0">
+                <a:latin typeface="Times New Roman" panose="02020603050405020304" pitchFamily="18" charset="0"/>
+                <a:cs typeface="Times New Roman" panose="02020603050405020304" pitchFamily="18" charset="0"/>
+              </a:rPr>
               <a:t>13,239 missing values for albumin out of 25,619 (49.9% missing)</a:t>
             </a:r>
           </a:p>
           <a:p>
             <a:r>
-              <a:rPr lang="en-US" dirty="0" smtClean="0"/>
+              <a:rPr lang="en-US" dirty="0" smtClean="0">
+                <a:latin typeface="Times New Roman" panose="02020603050405020304" pitchFamily="18" charset="0"/>
+                <a:cs typeface="Times New Roman" panose="02020603050405020304" pitchFamily="18" charset="0"/>
+              </a:rPr>
               <a:t>Missingness for albumin not explained by any other variables</a:t>
             </a:r>
           </a:p>
           <a:p>
-            <a:endParaRPr lang="en-US" dirty="0"/>
+            <a:endParaRPr lang="en-US" dirty="0">
+              <a:latin typeface="Times New Roman" panose="02020603050405020304" pitchFamily="18" charset="0"/>
+              <a:cs typeface="Times New Roman" panose="02020603050405020304" pitchFamily="18" charset="0"/>
+            </a:endParaRPr>
           </a:p>
           <a:p>
             <a:r>
-              <a:rPr lang="en-US" dirty="0" smtClean="0"/>
-              <a:t>Lower amounts of missing covariate data in logistic regressions (missing BMI or ASA) associated with higher mortality rates</a:t>
+              <a:rPr lang="en-US" dirty="0" smtClean="0">
+                <a:latin typeface="Times New Roman" panose="02020603050405020304" pitchFamily="18" charset="0"/>
+                <a:cs typeface="Times New Roman" panose="02020603050405020304" pitchFamily="18" charset="0"/>
+              </a:rPr>
+              <a:t>Missing </a:t>
             </a:r>
-          </a:p>
-          <a:p>
-            <a:endParaRPr lang="en-US" dirty="0"/>
-          </a:p>
-          <a:p>
             <a:r>
-              <a:rPr lang="en-US" b="1" dirty="0" smtClean="0">
-                <a:solidFill>
-                  <a:srgbClr val="FF0000"/>
-                </a:solidFill>
+              <a:rPr lang="en-US" dirty="0" smtClean="0">
+                <a:latin typeface="Times New Roman" panose="02020603050405020304" pitchFamily="18" charset="0"/>
+                <a:cs typeface="Times New Roman" panose="02020603050405020304" pitchFamily="18" charset="0"/>
               </a:rPr>
-              <a:t>Do I want overall or period 39?!?</a:t>
+              <a:t>covariate data in logistic regressions (missing BMI or ASA) associated with higher mortality </a:t>
             </a:r>
+            <a:r>
+              <a:rPr lang="en-US" dirty="0" smtClean="0">
+                <a:latin typeface="Times New Roman" panose="02020603050405020304" pitchFamily="18" charset="0"/>
+                <a:cs typeface="Times New Roman" panose="02020603050405020304" pitchFamily="18" charset="0"/>
+              </a:rPr>
+              <a:t>rates</a:t>
+            </a:r>
+            <a:endParaRPr lang="en-US" dirty="0">
+              <a:latin typeface="Times New Roman" panose="02020603050405020304" pitchFamily="18" charset="0"/>
+              <a:cs typeface="Times New Roman" panose="02020603050405020304" pitchFamily="18" charset="0"/>
+            </a:endParaRPr>
+          </a:p>
+          <a:p>
+            <a:pPr lvl="1"/>
+            <a:r>
+              <a:rPr lang="en-US" dirty="0">
+                <a:latin typeface="Times New Roman" panose="02020603050405020304" pitchFamily="18" charset="0"/>
+                <a:cs typeface="Times New Roman" panose="02020603050405020304" pitchFamily="18" charset="0"/>
+              </a:rPr>
+              <a:t>Mortality rate in period 39 for those with no missing covariate data: 2.89%</a:t>
+            </a:r>
+          </a:p>
+          <a:p>
+            <a:pPr lvl="1"/>
+            <a:r>
+              <a:rPr lang="en-US" dirty="0">
+                <a:latin typeface="Times New Roman" panose="02020603050405020304" pitchFamily="18" charset="0"/>
+                <a:cs typeface="Times New Roman" panose="02020603050405020304" pitchFamily="18" charset="0"/>
+              </a:rPr>
+              <a:t>Mortality rate in period 39 for those with missing covariate data: 8.41</a:t>
+            </a:r>
+            <a:r>
+              <a:rPr lang="en-US" dirty="0" smtClean="0">
+                <a:latin typeface="Times New Roman" panose="02020603050405020304" pitchFamily="18" charset="0"/>
+                <a:cs typeface="Times New Roman" panose="02020603050405020304" pitchFamily="18" charset="0"/>
+              </a:rPr>
+              <a:t>%</a:t>
+            </a:r>
+            <a:endParaRPr lang="en-US" dirty="0" smtClean="0">
+              <a:latin typeface="Times New Roman" panose="02020603050405020304" pitchFamily="18" charset="0"/>
+              <a:cs typeface="Times New Roman" panose="02020603050405020304" pitchFamily="18" charset="0"/>
+            </a:endParaRPr>
+          </a:p>
+          <a:p>
+            <a:r>
+              <a:rPr lang="en-US" dirty="0" smtClean="0">
+                <a:latin typeface="Times New Roman" panose="02020603050405020304" pitchFamily="18" charset="0"/>
+                <a:cs typeface="Times New Roman" panose="02020603050405020304" pitchFamily="18" charset="0"/>
+              </a:rPr>
+              <a:t>Missingness associated with outcome = potential bias in analysis</a:t>
+            </a:r>
+            <a:endParaRPr lang="en-US" dirty="0" smtClean="0">
+              <a:latin typeface="Times New Roman" panose="02020603050405020304" pitchFamily="18" charset="0"/>
+              <a:cs typeface="Times New Roman" panose="02020603050405020304" pitchFamily="18" charset="0"/>
+            </a:endParaRPr>
           </a:p>
         </p:txBody>
       </p:sp>
@@ -5079,10 +5236,16 @@
           <a:lstStyle/>
           <a:p>
             <a:r>
-              <a:rPr lang="en-US" dirty="0" smtClean="0"/>
+              <a:rPr lang="en-US" dirty="0" smtClean="0">
+                <a:latin typeface="Times New Roman" panose="02020603050405020304" pitchFamily="18" charset="0"/>
+                <a:cs typeface="Times New Roman" panose="02020603050405020304" pitchFamily="18" charset="0"/>
+              </a:rPr>
               <a:t>Analysis Plan</a:t>
             </a:r>
-            <a:endParaRPr lang="en-US" dirty="0"/>
+            <a:endParaRPr lang="en-US" dirty="0">
+              <a:latin typeface="Times New Roman" panose="02020603050405020304" pitchFamily="18" charset="0"/>
+              <a:cs typeface="Times New Roman" panose="02020603050405020304" pitchFamily="18" charset="0"/>
+            </a:endParaRPr>
           </a:p>
         </p:txBody>
       </p:sp>
@@ -5096,12 +5259,174 @@
             <p:ph idx="1"/>
           </p:nvPr>
         </p:nvSpPr>
-        <p:spPr/>
+        <p:spPr>
+          <a:xfrm>
+            <a:off x="838200" y="1690688"/>
+            <a:ext cx="10515600" cy="4819650"/>
+          </a:xfrm>
+        </p:spPr>
         <p:txBody>
-          <a:bodyPr/>
+          <a:bodyPr>
+            <a:normAutofit lnSpcReduction="10000"/>
+          </a:bodyPr>
           <a:lstStyle/>
           <a:p>
-            <a:endParaRPr lang="en-US"/>
+            <a:r>
+              <a:rPr lang="en-US" dirty="0" smtClean="0">
+                <a:latin typeface="Times New Roman" panose="02020603050405020304" pitchFamily="18" charset="0"/>
+                <a:cs typeface="Times New Roman" panose="02020603050405020304" pitchFamily="18" charset="0"/>
+              </a:rPr>
+              <a:t>30 </a:t>
+            </a:r>
+            <a:r>
+              <a:rPr lang="en-US" dirty="0">
+                <a:latin typeface="Times New Roman" panose="02020603050405020304" pitchFamily="18" charset="0"/>
+                <a:cs typeface="Times New Roman" panose="02020603050405020304" pitchFamily="18" charset="0"/>
+              </a:rPr>
+              <a:t>day mortality </a:t>
+            </a:r>
+            <a:r>
+              <a:rPr lang="en-US" dirty="0" smtClean="0">
+                <a:latin typeface="Times New Roman" panose="02020603050405020304" pitchFamily="18" charset="0"/>
+                <a:cs typeface="Times New Roman" panose="02020603050405020304" pitchFamily="18" charset="0"/>
+              </a:rPr>
+              <a:t>modeled in </a:t>
+            </a:r>
+            <a:r>
+              <a:rPr lang="en-US" dirty="0">
+                <a:latin typeface="Times New Roman" panose="02020603050405020304" pitchFamily="18" charset="0"/>
+                <a:cs typeface="Times New Roman" panose="02020603050405020304" pitchFamily="18" charset="0"/>
+              </a:rPr>
+              <a:t>logistic regression </a:t>
+            </a:r>
+            <a:r>
+              <a:rPr lang="en-US" dirty="0">
+                <a:latin typeface="Times New Roman" panose="02020603050405020304" pitchFamily="18" charset="0"/>
+                <a:cs typeface="Times New Roman" panose="02020603050405020304" pitchFamily="18" charset="0"/>
+              </a:rPr>
+              <a:t>(</a:t>
+            </a:r>
+            <a:r>
+              <a:rPr lang="en-US" dirty="0" smtClean="0">
+                <a:latin typeface="Times New Roman" panose="02020603050405020304" pitchFamily="18" charset="0"/>
+                <a:cs typeface="Times New Roman" panose="02020603050405020304" pitchFamily="18" charset="0"/>
+              </a:rPr>
+              <a:t>covariates: </a:t>
+            </a:r>
+            <a:r>
+              <a:rPr lang="en-US" dirty="0">
+                <a:latin typeface="Times New Roman" panose="02020603050405020304" pitchFamily="18" charset="0"/>
+                <a:cs typeface="Times New Roman" panose="02020603050405020304" pitchFamily="18" charset="0"/>
+              </a:rPr>
+              <a:t>procedure type, ASA</a:t>
+            </a:r>
+            <a:r>
+              <a:rPr lang="en-US" dirty="0" smtClean="0">
+                <a:latin typeface="Times New Roman" panose="02020603050405020304" pitchFamily="18" charset="0"/>
+                <a:cs typeface="Times New Roman" panose="02020603050405020304" pitchFamily="18" charset="0"/>
+              </a:rPr>
+              <a:t>, BMI)</a:t>
+            </a:r>
+          </a:p>
+          <a:p>
+            <a:r>
+              <a:rPr lang="en-US" dirty="0" smtClean="0">
+                <a:latin typeface="Times New Roman" panose="02020603050405020304" pitchFamily="18" charset="0"/>
+                <a:cs typeface="Times New Roman" panose="02020603050405020304" pitchFamily="18" charset="0"/>
+              </a:rPr>
+              <a:t>Model estimates </a:t>
+            </a:r>
+            <a:r>
+              <a:rPr lang="en-US" dirty="0">
+                <a:latin typeface="Times New Roman" panose="02020603050405020304" pitchFamily="18" charset="0"/>
+                <a:cs typeface="Times New Roman" panose="02020603050405020304" pitchFamily="18" charset="0"/>
+              </a:rPr>
+              <a:t>to determine </a:t>
+            </a:r>
+            <a:r>
+              <a:rPr lang="en-US" dirty="0" smtClean="0">
+                <a:latin typeface="Times New Roman" panose="02020603050405020304" pitchFamily="18" charset="0"/>
+                <a:cs typeface="Times New Roman" panose="02020603050405020304" pitchFamily="18" charset="0"/>
+              </a:rPr>
+              <a:t>predicted </a:t>
+            </a:r>
+            <a:r>
+              <a:rPr lang="en-US" dirty="0">
+                <a:latin typeface="Times New Roman" panose="02020603050405020304" pitchFamily="18" charset="0"/>
+                <a:cs typeface="Times New Roman" panose="02020603050405020304" pitchFamily="18" charset="0"/>
+              </a:rPr>
+              <a:t>values </a:t>
+            </a:r>
+            <a:r>
+              <a:rPr lang="en-US" dirty="0" smtClean="0">
+                <a:latin typeface="Times New Roman" panose="02020603050405020304" pitchFamily="18" charset="0"/>
+                <a:cs typeface="Times New Roman" panose="02020603050405020304" pitchFamily="18" charset="0"/>
+              </a:rPr>
+              <a:t>for individuals in period 39 </a:t>
+            </a:r>
+          </a:p>
+          <a:p>
+            <a:r>
+              <a:rPr lang="en-US" dirty="0" smtClean="0">
+                <a:latin typeface="Times New Roman" panose="02020603050405020304" pitchFamily="18" charset="0"/>
+                <a:cs typeface="Times New Roman" panose="02020603050405020304" pitchFamily="18" charset="0"/>
+              </a:rPr>
+              <a:t>Predicted values averaged to find </a:t>
+            </a:r>
+            <a:r>
+              <a:rPr lang="en-US" dirty="0">
+                <a:latin typeface="Times New Roman" panose="02020603050405020304" pitchFamily="18" charset="0"/>
+                <a:cs typeface="Times New Roman" panose="02020603050405020304" pitchFamily="18" charset="0"/>
+              </a:rPr>
+              <a:t>expected mortality </a:t>
+            </a:r>
+            <a:r>
+              <a:rPr lang="en-US" dirty="0" smtClean="0">
+                <a:latin typeface="Times New Roman" panose="02020603050405020304" pitchFamily="18" charset="0"/>
+                <a:cs typeface="Times New Roman" panose="02020603050405020304" pitchFamily="18" charset="0"/>
+              </a:rPr>
+              <a:t>rates by hospital </a:t>
+            </a:r>
+          </a:p>
+          <a:p>
+            <a:r>
+              <a:rPr lang="en-US" dirty="0" smtClean="0">
+                <a:latin typeface="Times New Roman" panose="02020603050405020304" pitchFamily="18" charset="0"/>
+                <a:cs typeface="Times New Roman" panose="02020603050405020304" pitchFamily="18" charset="0"/>
+              </a:rPr>
+              <a:t>Bootstrap performed on population with no missing covariate data, analysis above performed in each bootstrap iteration</a:t>
+            </a:r>
+          </a:p>
+          <a:p>
+            <a:r>
+              <a:rPr lang="en-US" dirty="0" smtClean="0">
+                <a:latin typeface="Times New Roman" panose="02020603050405020304" pitchFamily="18" charset="0"/>
+                <a:cs typeface="Times New Roman" panose="02020603050405020304" pitchFamily="18" charset="0"/>
+              </a:rPr>
+              <a:t>10,000 iterations performed</a:t>
+            </a:r>
+          </a:p>
+          <a:p>
+            <a:r>
+              <a:rPr lang="en-US" dirty="0" smtClean="0">
+                <a:latin typeface="Times New Roman" panose="02020603050405020304" pitchFamily="18" charset="0"/>
+                <a:cs typeface="Times New Roman" panose="02020603050405020304" pitchFamily="18" charset="0"/>
+              </a:rPr>
+              <a:t>Bootstrap results in 95% confidence interval around predicted value for each hospital</a:t>
+            </a:r>
+          </a:p>
+          <a:p>
+            <a:r>
+              <a:rPr lang="en-US" dirty="0" smtClean="0">
+                <a:latin typeface="Times New Roman" panose="02020603050405020304" pitchFamily="18" charset="0"/>
+                <a:cs typeface="Times New Roman" panose="02020603050405020304" pitchFamily="18" charset="0"/>
+              </a:rPr>
+              <a:t>Compared observed mortality rate/expected mortality rate ratio</a:t>
+            </a:r>
+            <a:endParaRPr lang="en-US" dirty="0">
+              <a:latin typeface="Times New Roman" panose="02020603050405020304" pitchFamily="18" charset="0"/>
+              <a:cs typeface="Times New Roman" panose="02020603050405020304" pitchFamily="18" charset="0"/>
+            </a:endParaRPr>
           </a:p>
         </p:txBody>
       </p:sp>
@@ -5151,10 +5476,16 @@
           <a:lstStyle/>
           <a:p>
             <a:r>
-              <a:rPr lang="en-US" dirty="0" smtClean="0"/>
+              <a:rPr lang="en-US" dirty="0" smtClean="0">
+                <a:latin typeface="Times New Roman" panose="02020603050405020304" pitchFamily="18" charset="0"/>
+                <a:cs typeface="Times New Roman" panose="02020603050405020304" pitchFamily="18" charset="0"/>
+              </a:rPr>
               <a:t>Results of Logistic Regressions</a:t>
             </a:r>
-            <a:endParaRPr lang="en-US" dirty="0"/>
+            <a:endParaRPr lang="en-US" dirty="0">
+              <a:latin typeface="Times New Roman" panose="02020603050405020304" pitchFamily="18" charset="0"/>
+              <a:cs typeface="Times New Roman" panose="02020603050405020304" pitchFamily="18" charset="0"/>
+            </a:endParaRPr>
           </a:p>
         </p:txBody>
       </p:sp>
@@ -5168,7 +5499,7 @@
             <p:ph idx="1"/>
             <p:extLst>
               <p:ext uri="{D42A27DB-BD31-4B8C-83A1-F6EECF244321}">
-                <p14:modId xmlns:p14="http://schemas.microsoft.com/office/powerpoint/2010/main" val="2266742570"/>
+                <p14:modId xmlns:p14="http://schemas.microsoft.com/office/powerpoint/2010/main" val="45501036"/>
               </p:ext>
             </p:extLst>
           </p:nvPr>
@@ -5182,28 +5513,28 @@
             <a:tbl>
               <a:tblPr firstRow="1" firstCol="1" bandRow="1"/>
               <a:tblGrid>
-                <a:gridCol w="3998664">
+                <a:gridCol w="3619499">
                   <a:extLst>
                     <a:ext uri="{9D8B030D-6E8A-4147-A177-3AD203B41FA5}">
                       <a16:colId xmlns:a16="http://schemas.microsoft.com/office/drawing/2014/main" val="1079384042"/>
                     </a:ext>
                   </a:extLst>
                 </a:gridCol>
-                <a:gridCol w="1107132">
+                <a:gridCol w="1085850">
                   <a:extLst>
                     <a:ext uri="{9D8B030D-6E8A-4147-A177-3AD203B41FA5}">
                       <a16:colId xmlns:a16="http://schemas.microsoft.com/office/drawing/2014/main" val="3299657260"/>
                     </a:ext>
                   </a:extLst>
                 </a:gridCol>
-                <a:gridCol w="1311554">
+                <a:gridCol w="1343025">
                   <a:extLst>
                     <a:ext uri="{9D8B030D-6E8A-4147-A177-3AD203B41FA5}">
                       <a16:colId xmlns:a16="http://schemas.microsoft.com/office/drawing/2014/main" val="2435195369"/>
                     </a:ext>
                   </a:extLst>
                 </a:gridCol>
-                <a:gridCol w="909394">
+                <a:gridCol w="1278370">
                   <a:extLst>
                     <a:ext uri="{9D8B030D-6E8A-4147-A177-3AD203B41FA5}">
                       <a16:colId xmlns:a16="http://schemas.microsoft.com/office/drawing/2014/main" val="2012785979"/>
@@ -6371,42 +6702,42 @@
           <p:nvPr>
             <p:extLst>
               <p:ext uri="{D42A27DB-BD31-4B8C-83A1-F6EECF244321}">
-                <p14:modId xmlns:p14="http://schemas.microsoft.com/office/powerpoint/2010/main" val="2966034892"/>
+                <p14:modId xmlns:p14="http://schemas.microsoft.com/office/powerpoint/2010/main" val="1020912247"/>
               </p:ext>
             </p:extLst>
           </p:nvPr>
         </p:nvGraphicFramePr>
         <p:xfrm>
-          <a:off x="838200" y="4156363"/>
-          <a:ext cx="7437583" cy="1939636"/>
+          <a:off x="838201" y="4156363"/>
+          <a:ext cx="7219951" cy="1830100"/>
         </p:xfrm>
         <a:graphic>
           <a:graphicData uri="http://schemas.openxmlformats.org/drawingml/2006/table">
             <a:tbl>
               <a:tblPr firstRow="1" firstCol="1" bandRow="1"/>
               <a:tblGrid>
-                <a:gridCol w="4059617">
+                <a:gridCol w="3940828">
                   <a:extLst>
                     <a:ext uri="{9D8B030D-6E8A-4147-A177-3AD203B41FA5}">
                       <a16:colId xmlns:a16="http://schemas.microsoft.com/office/drawing/2014/main" val="3496686878"/>
                     </a:ext>
                   </a:extLst>
                 </a:gridCol>
-                <a:gridCol w="1123779">
+                <a:gridCol w="1090896">
                   <a:extLst>
                     <a:ext uri="{9D8B030D-6E8A-4147-A177-3AD203B41FA5}">
                       <a16:colId xmlns:a16="http://schemas.microsoft.com/office/drawing/2014/main" val="485822530"/>
                     </a:ext>
                   </a:extLst>
                 </a:gridCol>
-                <a:gridCol w="1331116">
+                <a:gridCol w="1292166">
                   <a:extLst>
                     <a:ext uri="{9D8B030D-6E8A-4147-A177-3AD203B41FA5}">
                       <a16:colId xmlns:a16="http://schemas.microsoft.com/office/drawing/2014/main" val="4124604893"/>
                     </a:ext>
                   </a:extLst>
                 </a:gridCol>
-                <a:gridCol w="923071">
+                <a:gridCol w="896061">
                   <a:extLst>
                     <a:ext uri="{9D8B030D-6E8A-4147-A177-3AD203B41FA5}">
                       <a16:colId xmlns:a16="http://schemas.microsoft.com/office/drawing/2014/main" val="2428123916"/>
@@ -6414,7 +6745,7 @@
                   </a:extLst>
                 </a:gridCol>
               </a:tblGrid>
-              <a:tr h="484909">
+              <a:tr h="457525">
                 <a:tc>
                   <a:txBody>
                     <a:bodyPr/>
@@ -6653,7 +6984,7 @@
                   </a:ext>
                 </a:extLst>
               </a:tr>
-              <a:tr h="484909">
+              <a:tr h="457525">
                 <a:tc>
                   <a:txBody>
                     <a:bodyPr/>
@@ -6892,7 +7223,7 @@
                   </a:ext>
                 </a:extLst>
               </a:tr>
-              <a:tr h="484909">
+              <a:tr h="457525">
                 <a:tc>
                   <a:txBody>
                     <a:bodyPr/>
@@ -7107,7 +7438,7 @@
                   </a:ext>
                 </a:extLst>
               </a:tr>
-              <a:tr h="484909">
+              <a:tr h="457525">
                 <a:tc>
                   <a:txBody>
                     <a:bodyPr/>
@@ -7358,8 +7689,8 @@
         </p:nvSpPr>
         <p:spPr>
           <a:xfrm>
-            <a:off x="8802255" y="1690688"/>
-            <a:ext cx="2484581" cy="523220"/>
+            <a:off x="8429626" y="1862138"/>
+            <a:ext cx="3429000" cy="3970318"/>
           </a:xfrm>
           <a:prstGeom prst="rect">
             <a:avLst/>
@@ -7372,18 +7703,33 @@
           </a:bodyPr>
           <a:lstStyle/>
           <a:p>
+            <a:pPr marL="457200" indent="-457200">
+              <a:buFont typeface="Arial" panose="020B0604020202020204" pitchFamily="34" charset="0"/>
+              <a:buChar char="•"/>
+            </a:pPr>
             <a:r>
-              <a:rPr lang="en-US" sz="2800" b="1" dirty="0" smtClean="0">
-                <a:solidFill>
-                  <a:srgbClr val="FF0000"/>
-                </a:solidFill>
+              <a:rPr lang="en-US" sz="2800" dirty="0" smtClean="0">
+                <a:latin typeface="Times New Roman" panose="02020603050405020304" pitchFamily="18" charset="0"/>
+                <a:cs typeface="Times New Roman" panose="02020603050405020304" pitchFamily="18" charset="0"/>
               </a:rPr>
-              <a:t>Write stuff!!</a:t>
+              <a:t>Estimate magnitude and direction do not change with addition of albumin</a:t>
             </a:r>
-            <a:endParaRPr lang="en-US" sz="2800" b="1" dirty="0">
-              <a:solidFill>
-                <a:srgbClr val="FF0000"/>
-              </a:solidFill>
+          </a:p>
+          <a:p>
+            <a:pPr marL="457200" indent="-457200">
+              <a:buFont typeface="Arial" panose="020B0604020202020204" pitchFamily="34" charset="0"/>
+              <a:buChar char="•"/>
+            </a:pPr>
+            <a:r>
+              <a:rPr lang="en-US" sz="2800" dirty="0" smtClean="0">
+                <a:latin typeface="Times New Roman" panose="02020603050405020304" pitchFamily="18" charset="0"/>
+                <a:cs typeface="Times New Roman" panose="02020603050405020304" pitchFamily="18" charset="0"/>
+              </a:rPr>
+              <a:t>Albumin is not a significant or valuable predictor</a:t>
+            </a:r>
+            <a:endParaRPr lang="en-US" sz="2800" dirty="0">
+              <a:latin typeface="Times New Roman" panose="02020603050405020304" pitchFamily="18" charset="0"/>
+              <a:cs typeface="Times New Roman" panose="02020603050405020304" pitchFamily="18" charset="0"/>
             </a:endParaRPr>
           </a:p>
         </p:txBody>
@@ -7428,16 +7774,27 @@
             <p:ph type="title"/>
           </p:nvPr>
         </p:nvSpPr>
-        <p:spPr/>
+        <p:spPr>
+          <a:xfrm>
+            <a:off x="838199" y="365125"/>
+            <a:ext cx="10820401" cy="1325563"/>
+          </a:xfrm>
+        </p:spPr>
         <p:txBody>
           <a:bodyPr/>
           <a:lstStyle/>
           <a:p>
             <a:r>
-              <a:rPr lang="en-US" dirty="0" smtClean="0"/>
+              <a:rPr lang="en-US" dirty="0" smtClean="0">
+                <a:latin typeface="Times New Roman" panose="02020603050405020304" pitchFamily="18" charset="0"/>
+                <a:cs typeface="Times New Roman" panose="02020603050405020304" pitchFamily="18" charset="0"/>
+              </a:rPr>
               <a:t>Observed &amp; Expected Death Rates by Hospital</a:t>
             </a:r>
-            <a:endParaRPr lang="en-US" dirty="0"/>
+            <a:endParaRPr lang="en-US" dirty="0">
+              <a:latin typeface="Times New Roman" panose="02020603050405020304" pitchFamily="18" charset="0"/>
+              <a:cs typeface="Times New Roman" panose="02020603050405020304" pitchFamily="18" charset="0"/>
+            </a:endParaRPr>
           </a:p>
         </p:txBody>
       </p:sp>
@@ -7451,13 +7808,13 @@
             <p:ph idx="1"/>
             <p:extLst>
               <p:ext uri="{D42A27DB-BD31-4B8C-83A1-F6EECF244321}">
-                <p14:modId xmlns:p14="http://schemas.microsoft.com/office/powerpoint/2010/main" val="3026725243"/>
+                <p14:modId xmlns:p14="http://schemas.microsoft.com/office/powerpoint/2010/main" val="2550326808"/>
               </p:ext>
             </p:extLst>
           </p:nvPr>
         </p:nvGraphicFramePr>
         <p:xfrm>
-          <a:off x="1027611" y="1410788"/>
+          <a:off x="1085305" y="1690688"/>
           <a:ext cx="10326188" cy="4471307"/>
         </p:xfrm>
         <a:graphic>
@@ -8757,7 +9114,7 @@
                     <a:p>
                       <a:pPr algn="ctr" fontAlgn="b"/>
                       <a:r>
-                        <a:rPr lang="en-US" sz="2000" b="0" i="0" u="none" strike="noStrike" dirty="0">
+                        <a:rPr lang="en-US" sz="2000" b="0" i="1" u="none" strike="noStrike" dirty="0">
                           <a:solidFill>
                             <a:srgbClr val="000000"/>
                           </a:solidFill>
@@ -8790,7 +9147,7 @@
                     <a:p>
                       <a:pPr algn="ctr" fontAlgn="b"/>
                       <a:r>
-                        <a:rPr lang="en-US" sz="2000" b="0" i="0" u="none" strike="noStrike" dirty="0">
+                        <a:rPr lang="en-US" sz="2000" b="0" i="1" u="none" strike="noStrike" dirty="0">
                           <a:solidFill>
                             <a:srgbClr val="000000"/>
                           </a:solidFill>
@@ -8823,7 +9180,7 @@
                     <a:p>
                       <a:pPr algn="ctr" fontAlgn="b"/>
                       <a:r>
-                        <a:rPr lang="en-US" sz="2000" b="0" i="0" u="none" strike="noStrike" dirty="0">
+                        <a:rPr lang="en-US" sz="2000" b="0" i="1" u="none" strike="noStrike" dirty="0">
                           <a:solidFill>
                             <a:srgbClr val="000000"/>
                           </a:solidFill>
@@ -8856,7 +9213,7 @@
                     <a:p>
                       <a:pPr algn="ctr" fontAlgn="b"/>
                       <a:r>
-                        <a:rPr lang="en-US" sz="2000" b="0" i="0" u="none" strike="noStrike">
+                        <a:rPr lang="en-US" sz="2000" b="0" i="1" u="none" strike="noStrike" dirty="0">
                           <a:solidFill>
                             <a:srgbClr val="000000"/>
                           </a:solidFill>
@@ -8889,7 +9246,7 @@
                     <a:p>
                       <a:pPr algn="ctr" fontAlgn="b"/>
                       <a:r>
-                        <a:rPr lang="en-US" sz="2000" b="0" i="0" u="none" strike="noStrike">
+                        <a:rPr lang="en-US" sz="2000" b="0" i="1" u="none" strike="noStrike" dirty="0">
                           <a:solidFill>
                             <a:srgbClr val="000000"/>
                           </a:solidFill>
@@ -11553,10 +11910,16 @@
           <a:lstStyle/>
           <a:p>
             <a:r>
-              <a:rPr lang="en-US" dirty="0" smtClean="0"/>
+              <a:rPr lang="en-US" dirty="0" smtClean="0">
+                <a:latin typeface="Times New Roman" panose="02020603050405020304" pitchFamily="18" charset="0"/>
+                <a:cs typeface="Times New Roman" panose="02020603050405020304" pitchFamily="18" charset="0"/>
+              </a:rPr>
               <a:t>Conclusions &amp; Limitations</a:t>
             </a:r>
-            <a:endParaRPr lang="en-US" dirty="0"/>
+            <a:endParaRPr lang="en-US" dirty="0">
+              <a:latin typeface="Times New Roman" panose="02020603050405020304" pitchFamily="18" charset="0"/>
+              <a:cs typeface="Times New Roman" panose="02020603050405020304" pitchFamily="18" charset="0"/>
+            </a:endParaRPr>
           </a:p>
         </p:txBody>
       </p:sp>
@@ -11570,12 +11933,97 @@
             <p:ph idx="1"/>
           </p:nvPr>
         </p:nvSpPr>
-        <p:spPr/>
+        <p:spPr>
+          <a:xfrm>
+            <a:off x="838200" y="1825624"/>
+            <a:ext cx="10515600" cy="5032375"/>
+          </a:xfrm>
+        </p:spPr>
         <p:txBody>
-          <a:bodyPr/>
+          <a:bodyPr>
+            <a:normAutofit/>
+          </a:bodyPr>
           <a:lstStyle/>
           <a:p>
-            <a:endParaRPr lang="en-US"/>
+            <a:r>
+              <a:rPr lang="en-US" dirty="0" smtClean="0">
+                <a:latin typeface="Times New Roman" panose="02020603050405020304" pitchFamily="18" charset="0"/>
+                <a:cs typeface="Times New Roman" panose="02020603050405020304" pitchFamily="18" charset="0"/>
+              </a:rPr>
+              <a:t>17 hospitals (38.6%) above observed/expected ratio of 1.2</a:t>
+            </a:r>
+          </a:p>
+          <a:p>
+            <a:r>
+              <a:rPr lang="en-US" dirty="0" smtClean="0">
+                <a:latin typeface="Times New Roman" panose="02020603050405020304" pitchFamily="18" charset="0"/>
+                <a:cs typeface="Times New Roman" panose="02020603050405020304" pitchFamily="18" charset="0"/>
+              </a:rPr>
+              <a:t>22 hospitals (50.0%) below observed/expected ratio of 0.8</a:t>
+            </a:r>
+          </a:p>
+          <a:p>
+            <a:r>
+              <a:rPr lang="en-US" dirty="0" smtClean="0">
+                <a:latin typeface="Times New Roman" panose="02020603050405020304" pitchFamily="18" charset="0"/>
+                <a:cs typeface="Times New Roman" panose="02020603050405020304" pitchFamily="18" charset="0"/>
+              </a:rPr>
+              <a:t>88.6% of hospitals required a site visit</a:t>
+            </a:r>
+          </a:p>
+          <a:p>
+            <a:pPr lvl="1"/>
+            <a:r>
+              <a:rPr lang="en-US" dirty="0" smtClean="0">
+                <a:latin typeface="Times New Roman" panose="02020603050405020304" pitchFamily="18" charset="0"/>
+                <a:cs typeface="Times New Roman" panose="02020603050405020304" pitchFamily="18" charset="0"/>
+              </a:rPr>
+              <a:t>May want to change ratio in future to only visit unique hospitals</a:t>
+            </a:r>
+            <a:endParaRPr lang="en-US" dirty="0" smtClean="0">
+              <a:latin typeface="Times New Roman" panose="02020603050405020304" pitchFamily="18" charset="0"/>
+              <a:cs typeface="Times New Roman" panose="02020603050405020304" pitchFamily="18" charset="0"/>
+            </a:endParaRPr>
+          </a:p>
+          <a:p>
+            <a:endParaRPr lang="en-US" dirty="0" smtClean="0">
+              <a:latin typeface="Times New Roman" panose="02020603050405020304" pitchFamily="18" charset="0"/>
+              <a:cs typeface="Times New Roman" panose="02020603050405020304" pitchFamily="18" charset="0"/>
+            </a:endParaRPr>
+          </a:p>
+          <a:p>
+            <a:r>
+              <a:rPr lang="en-US" dirty="0" smtClean="0">
+                <a:latin typeface="Times New Roman" panose="02020603050405020304" pitchFamily="18" charset="0"/>
+                <a:cs typeface="Times New Roman" panose="02020603050405020304" pitchFamily="18" charset="0"/>
+              </a:rPr>
+              <a:t>No complete cases data for hospital 30 in period 39, can’t get expected</a:t>
+            </a:r>
+            <a:endParaRPr lang="en-US" dirty="0">
+              <a:latin typeface="Times New Roman" panose="02020603050405020304" pitchFamily="18" charset="0"/>
+              <a:cs typeface="Times New Roman" panose="02020603050405020304" pitchFamily="18" charset="0"/>
+            </a:endParaRPr>
+          </a:p>
+          <a:p>
+            <a:r>
+              <a:rPr lang="en-US" dirty="0" smtClean="0">
+                <a:latin typeface="Times New Roman" panose="02020603050405020304" pitchFamily="18" charset="0"/>
+                <a:cs typeface="Times New Roman" panose="02020603050405020304" pitchFamily="18" charset="0"/>
+              </a:rPr>
+              <a:t>Missing data for albumin—not a big concern, but can’t be included</a:t>
+            </a:r>
+          </a:p>
+          <a:p>
+            <a:r>
+              <a:rPr lang="en-US" dirty="0" smtClean="0">
+                <a:latin typeface="Times New Roman" panose="02020603050405020304" pitchFamily="18" charset="0"/>
+                <a:cs typeface="Times New Roman" panose="02020603050405020304" pitchFamily="18" charset="0"/>
+              </a:rPr>
+              <a:t>Missing data for covariates—bigger concern because missingness related to outcome; expected rates likely too low</a:t>
+            </a:r>
+          </a:p>
+          <a:p>
+            <a:endParaRPr lang="en-US" dirty="0"/>
           </a:p>
         </p:txBody>
       </p:sp>

--- a/Project2/Reports/Project 2 Final Presentation.pptx
+++ b/Project2/Reports/Project 2 Final Presentation.pptx
@@ -5002,6 +5002,11 @@
           <a:prstGeom prst="line">
             <a:avLst/>
           </a:prstGeom>
+          <a:ln>
+            <a:solidFill>
+              <a:schemeClr val="tx1"/>
+            </a:solidFill>
+          </a:ln>
         </p:spPr>
         <p:style>
           <a:lnRef idx="1">
@@ -5123,21 +5128,28 @@
                 <a:latin typeface="Times New Roman" panose="02020603050405020304" pitchFamily="18" charset="0"/>
                 <a:cs typeface="Times New Roman" panose="02020603050405020304" pitchFamily="18" charset="0"/>
               </a:rPr>
-              <a:t>Missing </a:t>
+              <a:t>Missing covariate data in logistic regressions (missing BMI or </a:t>
             </a:r>
             <a:r>
               <a:rPr lang="en-US" dirty="0" smtClean="0">
                 <a:latin typeface="Times New Roman" panose="02020603050405020304" pitchFamily="18" charset="0"/>
                 <a:cs typeface="Times New Roman" panose="02020603050405020304" pitchFamily="18" charset="0"/>
               </a:rPr>
-              <a:t>covariate data in logistic regressions (missing BMI or ASA) associated with higher mortality </a:t>
+              <a:t>procedure</a:t>
             </a:r>
             <a:r>
               <a:rPr lang="en-US" dirty="0" smtClean="0">
                 <a:latin typeface="Times New Roman" panose="02020603050405020304" pitchFamily="18" charset="0"/>
                 <a:cs typeface="Times New Roman" panose="02020603050405020304" pitchFamily="18" charset="0"/>
               </a:rPr>
-              <a:t>rates</a:t>
+              <a:t>) </a:t>
+            </a:r>
+            <a:r>
+              <a:rPr lang="en-US" dirty="0" smtClean="0">
+                <a:latin typeface="Times New Roman" panose="02020603050405020304" pitchFamily="18" charset="0"/>
+                <a:cs typeface="Times New Roman" panose="02020603050405020304" pitchFamily="18" charset="0"/>
+              </a:rPr>
+              <a:t>associated with higher mortality rates</a:t>
             </a:r>
             <a:endParaRPr lang="en-US" dirty="0">
               <a:latin typeface="Times New Roman" panose="02020603050405020304" pitchFamily="18" charset="0"/>
@@ -5170,6 +5182,16 @@
               </a:rPr>
               <a:t>%</a:t>
             </a:r>
+          </a:p>
+          <a:p>
+            <a:pPr lvl="2"/>
+            <a:r>
+              <a:rPr lang="en-US" dirty="0" smtClean="0">
+                <a:latin typeface="Times New Roman" panose="02020603050405020304" pitchFamily="18" charset="0"/>
+                <a:cs typeface="Times New Roman" panose="02020603050405020304" pitchFamily="18" charset="0"/>
+              </a:rPr>
+              <a:t>8.01% mortality rate for missing BMI, 9.71% mortality rate for missing procedure</a:t>
+            </a:r>
             <a:endParaRPr lang="en-US" dirty="0" smtClean="0">
               <a:latin typeface="Times New Roman" panose="02020603050405020304" pitchFamily="18" charset="0"/>
               <a:cs typeface="Times New Roman" panose="02020603050405020304" pitchFamily="18" charset="0"/>
@@ -5183,10 +5205,6 @@
               </a:rPr>
               <a:t>Missingness associated with outcome = potential bias in analysis</a:t>
             </a:r>
-            <a:endParaRPr lang="en-US" dirty="0" smtClean="0">
-              <a:latin typeface="Times New Roman" panose="02020603050405020304" pitchFamily="18" charset="0"/>
-              <a:cs typeface="Times New Roman" panose="02020603050405020304" pitchFamily="18" charset="0"/>
-            </a:endParaRPr>
           </a:p>
         </p:txBody>
       </p:sp>
@@ -5297,14 +5315,7 @@
                 <a:latin typeface="Times New Roman" panose="02020603050405020304" pitchFamily="18" charset="0"/>
                 <a:cs typeface="Times New Roman" panose="02020603050405020304" pitchFamily="18" charset="0"/>
               </a:rPr>
-              <a:t>logistic regression </a:t>
-            </a:r>
-            <a:r>
-              <a:rPr lang="en-US" dirty="0">
-                <a:latin typeface="Times New Roman" panose="02020603050405020304" pitchFamily="18" charset="0"/>
-                <a:cs typeface="Times New Roman" panose="02020603050405020304" pitchFamily="18" charset="0"/>
-              </a:rPr>
-              <a:t>(</a:t>
+              <a:t>logistic regression (</a:t>
             </a:r>
             <a:r>
               <a:rPr lang="en-US" dirty="0" smtClean="0">
@@ -7689,8 +7700,8 @@
         </p:nvSpPr>
         <p:spPr>
           <a:xfrm>
-            <a:off x="8429626" y="1862138"/>
-            <a:ext cx="3429000" cy="3970318"/>
+            <a:off x="8429626" y="1690688"/>
+            <a:ext cx="3429000" cy="4401205"/>
           </a:xfrm>
           <a:prstGeom prst="rect">
             <a:avLst/>
@@ -7712,8 +7723,21 @@
                 <a:latin typeface="Times New Roman" panose="02020603050405020304" pitchFamily="18" charset="0"/>
                 <a:cs typeface="Times New Roman" panose="02020603050405020304" pitchFamily="18" charset="0"/>
               </a:rPr>
-              <a:t>Estimate magnitude and direction do not change with addition of albumin</a:t>
+              <a:t>Estimate magnitude and direction do not change with addition of </a:t>
             </a:r>
+            <a:r>
+              <a:rPr lang="en-US" sz="2800" dirty="0" smtClean="0">
+                <a:latin typeface="Times New Roman" panose="02020603050405020304" pitchFamily="18" charset="0"/>
+                <a:cs typeface="Times New Roman" panose="02020603050405020304" pitchFamily="18" charset="0"/>
+              </a:rPr>
+              <a:t>albumin</a:t>
+            </a:r>
+          </a:p>
+          <a:p>
+            <a:endParaRPr lang="en-US" sz="2800" dirty="0" smtClean="0">
+              <a:latin typeface="Times New Roman" panose="02020603050405020304" pitchFamily="18" charset="0"/>
+              <a:cs typeface="Times New Roman" panose="02020603050405020304" pitchFamily="18" charset="0"/>
+            </a:endParaRPr>
           </a:p>
           <a:p>
             <a:pPr marL="457200" indent="-457200">
@@ -11980,10 +12004,6 @@
               </a:rPr>
               <a:t>May want to change ratio in future to only visit unique hospitals</a:t>
             </a:r>
-            <a:endParaRPr lang="en-US" dirty="0" smtClean="0">
-              <a:latin typeface="Times New Roman" panose="02020603050405020304" pitchFamily="18" charset="0"/>
-              <a:cs typeface="Times New Roman" panose="02020603050405020304" pitchFamily="18" charset="0"/>
-            </a:endParaRPr>
           </a:p>
           <a:p>
             <a:endParaRPr lang="en-US" dirty="0" smtClean="0">

--- a/Project2/Reports/Project 2 Final Presentation.pptx
+++ b/Project2/Reports/Project 2 Final Presentation.pptx
@@ -249,7 +249,7 @@
           <a:p>
             <a:fld id="{5D78B4DE-FAA3-4E4C-94BA-534FC6DBF537}" type="datetimeFigureOut">
               <a:rPr lang="en-US" smtClean="0"/>
-              <a:t>10/31/2017</a:t>
+              <a:t>11/1/2017</a:t>
             </a:fld>
             <a:endParaRPr lang="en-US"/>
           </a:p>
@@ -419,7 +419,7 @@
           <a:p>
             <a:fld id="{5D78B4DE-FAA3-4E4C-94BA-534FC6DBF537}" type="datetimeFigureOut">
               <a:rPr lang="en-US" smtClean="0"/>
-              <a:t>10/31/2017</a:t>
+              <a:t>11/1/2017</a:t>
             </a:fld>
             <a:endParaRPr lang="en-US"/>
           </a:p>
@@ -599,7 +599,7 @@
           <a:p>
             <a:fld id="{5D78B4DE-FAA3-4E4C-94BA-534FC6DBF537}" type="datetimeFigureOut">
               <a:rPr lang="en-US" smtClean="0"/>
-              <a:t>10/31/2017</a:t>
+              <a:t>11/1/2017</a:t>
             </a:fld>
             <a:endParaRPr lang="en-US"/>
           </a:p>
@@ -769,7 +769,7 @@
           <a:p>
             <a:fld id="{5D78B4DE-FAA3-4E4C-94BA-534FC6DBF537}" type="datetimeFigureOut">
               <a:rPr lang="en-US" smtClean="0"/>
-              <a:t>10/31/2017</a:t>
+              <a:t>11/1/2017</a:t>
             </a:fld>
             <a:endParaRPr lang="en-US"/>
           </a:p>
@@ -1015,7 +1015,7 @@
           <a:p>
             <a:fld id="{5D78B4DE-FAA3-4E4C-94BA-534FC6DBF537}" type="datetimeFigureOut">
               <a:rPr lang="en-US" smtClean="0"/>
-              <a:t>10/31/2017</a:t>
+              <a:t>11/1/2017</a:t>
             </a:fld>
             <a:endParaRPr lang="en-US"/>
           </a:p>
@@ -1247,7 +1247,7 @@
           <a:p>
             <a:fld id="{5D78B4DE-FAA3-4E4C-94BA-534FC6DBF537}" type="datetimeFigureOut">
               <a:rPr lang="en-US" smtClean="0"/>
-              <a:t>10/31/2017</a:t>
+              <a:t>11/1/2017</a:t>
             </a:fld>
             <a:endParaRPr lang="en-US"/>
           </a:p>
@@ -1614,7 +1614,7 @@
           <a:p>
             <a:fld id="{5D78B4DE-FAA3-4E4C-94BA-534FC6DBF537}" type="datetimeFigureOut">
               <a:rPr lang="en-US" smtClean="0"/>
-              <a:t>10/31/2017</a:t>
+              <a:t>11/1/2017</a:t>
             </a:fld>
             <a:endParaRPr lang="en-US"/>
           </a:p>
@@ -1732,7 +1732,7 @@
           <a:p>
             <a:fld id="{5D78B4DE-FAA3-4E4C-94BA-534FC6DBF537}" type="datetimeFigureOut">
               <a:rPr lang="en-US" smtClean="0"/>
-              <a:t>10/31/2017</a:t>
+              <a:t>11/1/2017</a:t>
             </a:fld>
             <a:endParaRPr lang="en-US"/>
           </a:p>
@@ -1827,7 +1827,7 @@
           <a:p>
             <a:fld id="{5D78B4DE-FAA3-4E4C-94BA-534FC6DBF537}" type="datetimeFigureOut">
               <a:rPr lang="en-US" smtClean="0"/>
-              <a:t>10/31/2017</a:t>
+              <a:t>11/1/2017</a:t>
             </a:fld>
             <a:endParaRPr lang="en-US"/>
           </a:p>
@@ -2104,7 +2104,7 @@
           <a:p>
             <a:fld id="{5D78B4DE-FAA3-4E4C-94BA-534FC6DBF537}" type="datetimeFigureOut">
               <a:rPr lang="en-US" smtClean="0"/>
-              <a:t>10/31/2017</a:t>
+              <a:t>11/1/2017</a:t>
             </a:fld>
             <a:endParaRPr lang="en-US"/>
           </a:p>
@@ -2357,7 +2357,7 @@
           <a:p>
             <a:fld id="{5D78B4DE-FAA3-4E4C-94BA-534FC6DBF537}" type="datetimeFigureOut">
               <a:rPr lang="en-US" smtClean="0"/>
-              <a:t>10/31/2017</a:t>
+              <a:t>11/1/2017</a:t>
             </a:fld>
             <a:endParaRPr lang="en-US"/>
           </a:p>
@@ -2570,7 +2570,7 @@
           <a:p>
             <a:fld id="{5D78B4DE-FAA3-4E4C-94BA-534FC6DBF537}" type="datetimeFigureOut">
               <a:rPr lang="en-US" smtClean="0"/>
-              <a:t>10/31/2017</a:t>
+              <a:t>11/1/2017</a:t>
             </a:fld>
             <a:endParaRPr lang="en-US"/>
           </a:p>
@@ -4957,12 +4957,6 @@
             </a:r>
           </a:p>
           <a:p>
-            <a:endParaRPr lang="en-US" sz="2800" dirty="0" smtClean="0">
-              <a:latin typeface="Times New Roman" panose="02020603050405020304" pitchFamily="18" charset="0"/>
-              <a:cs typeface="Times New Roman" panose="02020603050405020304" pitchFamily="18" charset="0"/>
-            </a:endParaRPr>
-          </a:p>
-          <a:p>
             <a:pPr marL="457200" indent="-457200">
               <a:buFont typeface="Arial" panose="020B0604020202020204" pitchFamily="34" charset="0"/>
               <a:buChar char="•"/>
@@ -4973,6 +4967,19 @@
                 <a:cs typeface="Times New Roman" panose="02020603050405020304" pitchFamily="18" charset="0"/>
               </a:rPr>
               <a:t>Data cleaning: dichotomized ASA, fixed BMI miscalculations in hospitals 1-16, removed procedure 2</a:t>
+            </a:r>
+          </a:p>
+          <a:p>
+            <a:pPr marL="457200" indent="-457200">
+              <a:buFont typeface="Arial" panose="020B0604020202020204" pitchFamily="34" charset="0"/>
+              <a:buChar char="•"/>
+            </a:pPr>
+            <a:r>
+              <a:rPr lang="en-US" sz="2800" dirty="0" smtClean="0">
+                <a:latin typeface="Times New Roman" panose="02020603050405020304" pitchFamily="18" charset="0"/>
+                <a:cs typeface="Times New Roman" panose="02020603050405020304" pitchFamily="18" charset="0"/>
+              </a:rPr>
+              <a:t>I have VA data set 2</a:t>
             </a:r>
             <a:endParaRPr lang="en-US" sz="2800" dirty="0">
               <a:latin typeface="Times New Roman" panose="02020603050405020304" pitchFamily="18" charset="0"/>
@@ -5104,7 +5111,21 @@
                 <a:latin typeface="Times New Roman" panose="02020603050405020304" pitchFamily="18" charset="0"/>
                 <a:cs typeface="Times New Roman" panose="02020603050405020304" pitchFamily="18" charset="0"/>
               </a:rPr>
-              <a:t>13,239 missing values for albumin out of 25,619 (49.9% missing)</a:t>
+              <a:t>13,239 missing values for albumin out of </a:t>
+            </a:r>
+            <a:r>
+              <a:rPr lang="en-US" dirty="0" smtClean="0">
+                <a:latin typeface="Times New Roman" panose="02020603050405020304" pitchFamily="18" charset="0"/>
+                <a:cs typeface="Times New Roman" panose="02020603050405020304" pitchFamily="18" charset="0"/>
+              </a:rPr>
+              <a:t>25,618 </a:t>
+            </a:r>
+            <a:r>
+              <a:rPr lang="en-US" dirty="0" smtClean="0">
+                <a:latin typeface="Times New Roman" panose="02020603050405020304" pitchFamily="18" charset="0"/>
+                <a:cs typeface="Times New Roman" panose="02020603050405020304" pitchFamily="18" charset="0"/>
+              </a:rPr>
+              <a:t>(49.9% missing)</a:t>
             </a:r>
           </a:p>
           <a:p>
@@ -5128,28 +5149,7 @@
                 <a:latin typeface="Times New Roman" panose="02020603050405020304" pitchFamily="18" charset="0"/>
                 <a:cs typeface="Times New Roman" panose="02020603050405020304" pitchFamily="18" charset="0"/>
               </a:rPr>
-              <a:t>Missing covariate data in logistic regressions (missing BMI or </a:t>
-            </a:r>
-            <a:r>
-              <a:rPr lang="en-US" dirty="0" smtClean="0">
-                <a:latin typeface="Times New Roman" panose="02020603050405020304" pitchFamily="18" charset="0"/>
-                <a:cs typeface="Times New Roman" panose="02020603050405020304" pitchFamily="18" charset="0"/>
-              </a:rPr>
-              <a:t>procedure</a:t>
-            </a:r>
-            <a:r>
-              <a:rPr lang="en-US" dirty="0" smtClean="0">
-                <a:latin typeface="Times New Roman" panose="02020603050405020304" pitchFamily="18" charset="0"/>
-                <a:cs typeface="Times New Roman" panose="02020603050405020304" pitchFamily="18" charset="0"/>
-              </a:rPr>
-              <a:t>) </a:t>
-            </a:r>
-            <a:r>
-              <a:rPr lang="en-US" dirty="0" smtClean="0">
-                <a:latin typeface="Times New Roman" panose="02020603050405020304" pitchFamily="18" charset="0"/>
-                <a:cs typeface="Times New Roman" panose="02020603050405020304" pitchFamily="18" charset="0"/>
-              </a:rPr>
-              <a:t>associated with higher mortality rates</a:t>
+              <a:t>Missing covariate data in logistic regressions (missing BMI or procedure) associated with higher mortality rates</a:t>
             </a:r>
             <a:endParaRPr lang="en-US" dirty="0">
               <a:latin typeface="Times New Roman" panose="02020603050405020304" pitchFamily="18" charset="0"/>
@@ -5192,10 +5192,6 @@
               </a:rPr>
               <a:t>8.01% mortality rate for missing BMI, 9.71% mortality rate for missing procedure</a:t>
             </a:r>
-            <a:endParaRPr lang="en-US" dirty="0" smtClean="0">
-              <a:latin typeface="Times New Roman" panose="02020603050405020304" pitchFamily="18" charset="0"/>
-              <a:cs typeface="Times New Roman" panose="02020603050405020304" pitchFamily="18" charset="0"/>
-            </a:endParaRPr>
           </a:p>
           <a:p>
             <a:r>
@@ -5336,16 +5332,27 @@
                 <a:latin typeface="Times New Roman" panose="02020603050405020304" pitchFamily="18" charset="0"/>
                 <a:cs typeface="Times New Roman" panose="02020603050405020304" pitchFamily="18" charset="0"/>
               </a:rPr>
-              <a:t>, BMI)</a:t>
+              <a:t>, </a:t>
             </a:r>
-          </a:p>
-          <a:p>
             <a:r>
               <a:rPr lang="en-US" dirty="0" smtClean="0">
                 <a:latin typeface="Times New Roman" panose="02020603050405020304" pitchFamily="18" charset="0"/>
                 <a:cs typeface="Times New Roman" panose="02020603050405020304" pitchFamily="18" charset="0"/>
               </a:rPr>
-              <a:t>Model estimates </a:t>
+              <a:t>BMI, with and without albumin)</a:t>
+            </a:r>
+            <a:endParaRPr lang="en-US" dirty="0" smtClean="0">
+              <a:latin typeface="Times New Roman" panose="02020603050405020304" pitchFamily="18" charset="0"/>
+              <a:cs typeface="Times New Roman" panose="02020603050405020304" pitchFamily="18" charset="0"/>
+            </a:endParaRPr>
+          </a:p>
+          <a:p>
+            <a:r>
+              <a:rPr lang="en-US" dirty="0" smtClean="0">
+                <a:latin typeface="Times New Roman" panose="02020603050405020304" pitchFamily="18" charset="0"/>
+                <a:cs typeface="Times New Roman" panose="02020603050405020304" pitchFamily="18" charset="0"/>
+              </a:rPr>
+              <a:t>Model estimates used </a:t>
             </a:r>
             <a:r>
               <a:rPr lang="en-US" dirty="0">
@@ -5510,13 +5517,13 @@
             <p:ph idx="1"/>
             <p:extLst>
               <p:ext uri="{D42A27DB-BD31-4B8C-83A1-F6EECF244321}">
-                <p14:modId xmlns:p14="http://schemas.microsoft.com/office/powerpoint/2010/main" val="45501036"/>
+                <p14:modId xmlns:p14="http://schemas.microsoft.com/office/powerpoint/2010/main" val="443601105"/>
               </p:ext>
             </p:extLst>
           </p:nvPr>
         </p:nvGraphicFramePr>
         <p:xfrm>
-          <a:off x="838201" y="1640373"/>
+          <a:off x="4267200" y="1585258"/>
           <a:ext cx="7326744" cy="2063410"/>
         </p:xfrm>
         <a:graphic>
@@ -6104,7 +6111,7 @@
                         </a:spcAft>
                       </a:pPr>
                       <a:r>
-                        <a:rPr lang="en-US" sz="1800">
+                        <a:rPr lang="en-US" sz="1800" dirty="0">
                           <a:solidFill>
                             <a:srgbClr val="000000"/>
                           </a:solidFill>
@@ -6114,7 +6121,7 @@
                         </a:rPr>
                         <a:t>2.379</a:t>
                       </a:r>
-                      <a:endParaRPr lang="en-US" sz="2000">
+                      <a:endParaRPr lang="en-US" sz="2000" dirty="0">
                         <a:effectLst/>
                         <a:latin typeface="Times New Roman" panose="02020603050405020304" pitchFamily="18" charset="0"/>
                         <a:ea typeface="Calibri" panose="020F0502020204030204" pitchFamily="34" charset="0"/>
@@ -6713,13 +6720,13 @@
           <p:nvPr>
             <p:extLst>
               <p:ext uri="{D42A27DB-BD31-4B8C-83A1-F6EECF244321}">
-                <p14:modId xmlns:p14="http://schemas.microsoft.com/office/powerpoint/2010/main" val="1020912247"/>
+                <p14:modId xmlns:p14="http://schemas.microsoft.com/office/powerpoint/2010/main" val="1292185852"/>
               </p:ext>
             </p:extLst>
           </p:nvPr>
         </p:nvGraphicFramePr>
         <p:xfrm>
-          <a:off x="838201" y="4156363"/>
+          <a:off x="4267200" y="4101248"/>
           <a:ext cx="7219951" cy="1830100"/>
         </p:xfrm>
         <a:graphic>
@@ -7700,7 +7707,7 @@
         </p:nvSpPr>
         <p:spPr>
           <a:xfrm>
-            <a:off x="8429626" y="1690688"/>
+            <a:off x="428626" y="1585258"/>
             <a:ext cx="3429000" cy="4401205"/>
           </a:xfrm>
           <a:prstGeom prst="rect">
@@ -7723,14 +7730,35 @@
                 <a:latin typeface="Times New Roman" panose="02020603050405020304" pitchFamily="18" charset="0"/>
                 <a:cs typeface="Times New Roman" panose="02020603050405020304" pitchFamily="18" charset="0"/>
               </a:rPr>
-              <a:t>Estimate magnitude and direction do not change with addition of </a:t>
+              <a:t>Estimates’ </a:t>
             </a:r>
             <a:r>
               <a:rPr lang="en-US" sz="2800" dirty="0" smtClean="0">
                 <a:latin typeface="Times New Roman" panose="02020603050405020304" pitchFamily="18" charset="0"/>
                 <a:cs typeface="Times New Roman" panose="02020603050405020304" pitchFamily="18" charset="0"/>
               </a:rPr>
-              <a:t>albumin</a:t>
+              <a:t>magnitudes </a:t>
+            </a:r>
+            <a:r>
+              <a:rPr lang="en-US" sz="2800" dirty="0" smtClean="0">
+                <a:latin typeface="Times New Roman" panose="02020603050405020304" pitchFamily="18" charset="0"/>
+                <a:cs typeface="Times New Roman" panose="02020603050405020304" pitchFamily="18" charset="0"/>
+              </a:rPr>
+              <a:t>and </a:t>
+            </a:r>
+            <a:r>
+              <a:rPr lang="en-US" sz="2800" dirty="0" smtClean="0">
+                <a:latin typeface="Times New Roman" panose="02020603050405020304" pitchFamily="18" charset="0"/>
+                <a:cs typeface="Times New Roman" panose="02020603050405020304" pitchFamily="18" charset="0"/>
+              </a:rPr>
+              <a:t>directions </a:t>
+            </a:r>
+            <a:r>
+              <a:rPr lang="en-US" sz="2800" dirty="0" smtClean="0">
+                <a:latin typeface="Times New Roman" panose="02020603050405020304" pitchFamily="18" charset="0"/>
+                <a:cs typeface="Times New Roman" panose="02020603050405020304" pitchFamily="18" charset="0"/>
+              </a:rPr>
+              <a:t>do not change with addition of albumin</a:t>
             </a:r>
           </a:p>
           <a:p>
@@ -7832,14 +7860,14 @@
             <p:ph idx="1"/>
             <p:extLst>
               <p:ext uri="{D42A27DB-BD31-4B8C-83A1-F6EECF244321}">
-                <p14:modId xmlns:p14="http://schemas.microsoft.com/office/powerpoint/2010/main" val="2550326808"/>
+                <p14:modId xmlns:p14="http://schemas.microsoft.com/office/powerpoint/2010/main" val="1237567899"/>
               </p:ext>
             </p:extLst>
           </p:nvPr>
         </p:nvGraphicFramePr>
         <p:xfrm>
-          <a:off x="1085305" y="1690688"/>
-          <a:ext cx="10326188" cy="4471307"/>
+          <a:off x="1004614" y="1690688"/>
+          <a:ext cx="10487570" cy="4471307"/>
         </p:xfrm>
         <a:graphic>
           <a:graphicData uri="http://schemas.openxmlformats.org/drawingml/2006/table">
@@ -7902,7 +7930,7 @@
                     </a:ext>
                   </a:extLst>
                 </a:gridCol>
-                <a:gridCol w="852370">
+                <a:gridCol w="1013752">
                   <a:extLst>
                     <a:ext uri="{9D8B030D-6E8A-4147-A177-3AD203B41FA5}">
                       <a16:colId xmlns:a16="http://schemas.microsoft.com/office/drawing/2014/main" val="649995295"/>
@@ -8954,7 +8982,7 @@
                     <a:p>
                       <a:pPr algn="ctr" fontAlgn="b"/>
                       <a:r>
-                        <a:rPr lang="en-US" sz="2000" b="0" i="0" u="none" strike="noStrike">
+                        <a:rPr lang="en-US" sz="2000" b="0" i="0" u="none" strike="noStrike" dirty="0">
                           <a:solidFill>
                             <a:srgbClr val="000000"/>
                           </a:solidFill>
@@ -12017,7 +12045,7 @@
                 <a:latin typeface="Times New Roman" panose="02020603050405020304" pitchFamily="18" charset="0"/>
                 <a:cs typeface="Times New Roman" panose="02020603050405020304" pitchFamily="18" charset="0"/>
               </a:rPr>
-              <a:t>No complete cases data for hospital 30 in period 39, can’t get expected</a:t>
+              <a:t>No complete cases for hospital 30 in period 39, can’t find expected</a:t>
             </a:r>
             <a:endParaRPr lang="en-US" dirty="0">
               <a:latin typeface="Times New Roman" panose="02020603050405020304" pitchFamily="18" charset="0"/>
